--- a/PPT/PPT.pptx
+++ b/PPT/PPT.pptx
@@ -5,26 +5,28 @@
     <p:sldMasterId id="2147483648" r:id="rId1"/>
   </p:sldMasterIdLst>
   <p:notesMasterIdLst>
-    <p:notesMasterId r:id="rId19"/>
+    <p:notesMasterId r:id="rId21"/>
   </p:notesMasterIdLst>
   <p:sldIdLst>
     <p:sldId id="256" r:id="rId2"/>
     <p:sldId id="257" r:id="rId3"/>
-    <p:sldId id="258" r:id="rId4"/>
-    <p:sldId id="276" r:id="rId5"/>
-    <p:sldId id="261" r:id="rId6"/>
-    <p:sldId id="262" r:id="rId7"/>
-    <p:sldId id="277" r:id="rId8"/>
-    <p:sldId id="259" r:id="rId9"/>
-    <p:sldId id="273" r:id="rId10"/>
-    <p:sldId id="272" r:id="rId11"/>
-    <p:sldId id="260" r:id="rId12"/>
-    <p:sldId id="271" r:id="rId13"/>
-    <p:sldId id="263" r:id="rId14"/>
-    <p:sldId id="267" r:id="rId15"/>
-    <p:sldId id="275" r:id="rId16"/>
-    <p:sldId id="265" r:id="rId17"/>
-    <p:sldId id="274" r:id="rId18"/>
+    <p:sldId id="278" r:id="rId4"/>
+    <p:sldId id="284" r:id="rId5"/>
+    <p:sldId id="258" r:id="rId6"/>
+    <p:sldId id="276" r:id="rId7"/>
+    <p:sldId id="261" r:id="rId8"/>
+    <p:sldId id="262" r:id="rId9"/>
+    <p:sldId id="277" r:id="rId10"/>
+    <p:sldId id="259" r:id="rId11"/>
+    <p:sldId id="273" r:id="rId12"/>
+    <p:sldId id="272" r:id="rId13"/>
+    <p:sldId id="260" r:id="rId14"/>
+    <p:sldId id="271" r:id="rId15"/>
+    <p:sldId id="263" r:id="rId16"/>
+    <p:sldId id="267" r:id="rId17"/>
+    <p:sldId id="275" r:id="rId18"/>
+    <p:sldId id="265" r:id="rId19"/>
+    <p:sldId id="274" r:id="rId20"/>
   </p:sldIdLst>
   <p:sldSz cx="12192000" cy="6858000"/>
   <p:notesSz cx="6858000" cy="9144000"/>
@@ -123,6 +125,22 @@
       </a:defRPr>
     </a:lvl9pPr>
   </p:defaultTextStyle>
+  <p:extLst>
+    <p:ext uri="{EFAFB233-063F-42B5-8137-9DF3F51BA10A}">
+      <p15:sldGuideLst xmlns:p15="http://schemas.microsoft.com/office/powerpoint/2012/main">
+        <p15:guide id="1" orient="horz" pos="2160">
+          <p15:clr>
+            <a:srgbClr val="A4A3A4"/>
+          </p15:clr>
+        </p15:guide>
+        <p15:guide id="2" pos="3840">
+          <p15:clr>
+            <a:srgbClr val="A4A3A4"/>
+          </p15:clr>
+        </p15:guide>
+      </p15:sldGuideLst>
+    </p:ext>
+  </p:extLst>
 </p:presentation>
 </file>
 
@@ -208,7 +226,7 @@
           <a:p>
             <a:fld id="{0151E432-C544-461E-A455-DCA39BECDA7A}" type="datetimeFigureOut">
               <a:rPr lang="zh-TW" altLang="en-US" smtClean="0"/>
-              <a:t>2019/6/9</a:t>
+              <a:t>2019/6/12</a:t>
             </a:fld>
             <a:endParaRPr lang="zh-TW" altLang="en-US"/>
           </a:p>
@@ -495,7 +513,7 @@
       </p:grpSpPr>
       <p:sp>
         <p:nvSpPr>
-          <p:cNvPr id="2" name="投影片圖像版面配置區 1"/>
+          <p:cNvPr id="2" name="投影片影像預留位置 1"/>
           <p:cNvSpPr>
             <a:spLocks noGrp="1" noRot="1" noChangeAspect="1"/>
           </p:cNvSpPr>
@@ -507,7 +525,7 @@
       </p:sp>
       <p:sp>
         <p:nvSpPr>
-          <p:cNvPr id="3" name="備忘稿版面配置區 2"/>
+          <p:cNvPr id="3" name="備忘稿預留位置 2"/>
           <p:cNvSpPr>
             <a:spLocks noGrp="1"/>
           </p:cNvSpPr>
@@ -517,44 +535,40 @@
         </p:nvSpPr>
         <p:spPr/>
         <p:txBody>
-          <a:bodyPr/>
-          <a:lstStyle/>
-          <a:p>
-            <a:r>
-              <a:rPr lang="zh-TW" altLang="en-US" dirty="0" smtClean="0"/>
-              <a:t>提</a:t>
-            </a:r>
-            <a:r>
-              <a:rPr lang="en-US" altLang="zh-TW" sz="1200" kern="1200" dirty="0" smtClean="0">
-                <a:solidFill>
-                  <a:schemeClr val="tx1"/>
-                </a:solidFill>
-                <a:effectLst/>
-                <a:latin typeface="+mn-lt"/>
-                <a:ea typeface="+mn-ea"/>
-                <a:cs typeface="+mn-cs"/>
-              </a:rPr>
-              <a:t>model </a:t>
-            </a:r>
-            <a:r>
-              <a:rPr lang="zh-TW" altLang="en-US" sz="1200" kern="1200" dirty="0" smtClean="0">
-                <a:solidFill>
-                  <a:schemeClr val="tx1"/>
-                </a:solidFill>
-                <a:effectLst/>
-                <a:latin typeface="+mn-lt"/>
-                <a:ea typeface="+mn-ea"/>
-                <a:cs typeface="+mn-cs"/>
-              </a:rPr>
-              <a:t>輸入輸出</a:t>
-            </a:r>
-            <a:endParaRPr lang="zh-TW" altLang="en-US" dirty="0"/>
-          </a:p>
-        </p:txBody>
-      </p:sp>
-      <p:sp>
-        <p:nvSpPr>
-          <p:cNvPr id="4" name="投影片編號版面配置區 3"/>
+          <a:bodyPr rtlCol="0"/>
+          <a:lstStyle/>
+          <a:p>
+            <a:pPr marL="0" marR="0" indent="0" algn="l" defTabSz="914400" rtl="0" eaLnBrk="1" fontAlgn="auto" latinLnBrk="0" hangingPunct="1">
+              <a:lnSpc>
+                <a:spcPct val="100000"/>
+              </a:lnSpc>
+              <a:spcBef>
+                <a:spcPts val="0"/>
+              </a:spcBef>
+              <a:spcAft>
+                <a:spcPts val="0"/>
+              </a:spcAft>
+              <a:buClrTx/>
+              <a:buSzTx/>
+              <a:buFontTx/>
+              <a:buNone/>
+              <a:tabLst/>
+              <a:defRPr/>
+            </a:pPr>
+            <a:r>
+              <a:rPr lang="zh-tw"/>
+              <a:t>插入您國家/地區的地圖。</a:t>
+            </a:r>
+          </a:p>
+          <a:p>
+            <a:pPr rtl="0"/>
+            <a:endParaRPr lang="en-US" dirty="0"/>
+          </a:p>
+        </p:txBody>
+      </p:sp>
+      <p:sp>
+        <p:nvSpPr>
+          <p:cNvPr id="4" name="投影片編號預留位置 3"/>
           <p:cNvSpPr>
             <a:spLocks noGrp="1"/>
           </p:cNvSpPr>
@@ -564,21 +578,22 @@
         </p:nvSpPr>
         <p:spPr/>
         <p:txBody>
-          <a:bodyPr/>
-          <a:lstStyle/>
-          <a:p>
-            <a:fld id="{0D059EAB-3A7D-4A41-982A-639E97684C78}" type="slidenum">
-              <a:rPr lang="zh-TW" altLang="en-US" smtClean="0"/>
+          <a:bodyPr rtlCol="0"/>
+          <a:lstStyle/>
+          <a:p>
+            <a:pPr rtl="0"/>
+            <a:fld id="{69C971FF-EF28-4195-A575-329446EFAA55}" type="slidenum">
+              <a:rPr lang="en-US" smtClean="0"/>
               <a:t>3</a:t>
             </a:fld>
-            <a:endParaRPr lang="zh-TW" altLang="en-US"/>
+            <a:endParaRPr lang="en-US"/>
           </a:p>
         </p:txBody>
       </p:sp>
     </p:spTree>
     <p:extLst>
       <p:ext uri="{BB962C8B-B14F-4D97-AF65-F5344CB8AC3E}">
-        <p14:creationId xmlns:p14="http://schemas.microsoft.com/office/powerpoint/2010/main" val="868461530"/>
+        <p14:creationId xmlns:p14="http://schemas.microsoft.com/office/powerpoint/2010/main" val="844560822"/>
       </p:ext>
     </p:extLst>
   </p:cSld>
@@ -632,22 +647,6 @@
           <a:bodyPr/>
           <a:lstStyle/>
           <a:p>
-            <a:r>
-              <a:rPr lang="en-US" altLang="zh-TW" dirty="0" smtClean="0"/>
-              <a:t>Validating</a:t>
-            </a:r>
-            <a:r>
-              <a:rPr lang="zh-TW" altLang="en-US" dirty="0" smtClean="0"/>
-              <a:t>從</a:t>
-            </a:r>
-            <a:r>
-              <a:rPr lang="en-US" altLang="zh-TW" dirty="0" smtClean="0"/>
-              <a:t>testing</a:t>
-            </a:r>
-            <a:r>
-              <a:rPr lang="zh-TW" altLang="en-US" dirty="0" smtClean="0"/>
-              <a:t>中隨機取樣</a:t>
-            </a:r>
             <a:endParaRPr lang="zh-TW" altLang="en-US" dirty="0"/>
           </a:p>
         </p:txBody>
@@ -669,7 +668,7 @@
           <a:p>
             <a:fld id="{0D059EAB-3A7D-4A41-982A-639E97684C78}" type="slidenum">
               <a:rPr lang="zh-TW" altLang="en-US" smtClean="0"/>
-              <a:t>12</a:t>
+              <a:t>13</a:t>
             </a:fld>
             <a:endParaRPr lang="zh-TW" altLang="en-US"/>
           </a:p>
@@ -732,6 +731,22 @@
           <a:bodyPr/>
           <a:lstStyle/>
           <a:p>
+            <a:r>
+              <a:rPr lang="en-US" altLang="zh-TW" dirty="0" smtClean="0"/>
+              <a:t>Validating</a:t>
+            </a:r>
+            <a:r>
+              <a:rPr lang="zh-TW" altLang="en-US" dirty="0" smtClean="0"/>
+              <a:t>從</a:t>
+            </a:r>
+            <a:r>
+              <a:rPr lang="en-US" altLang="zh-TW" dirty="0" smtClean="0"/>
+              <a:t>testing</a:t>
+            </a:r>
+            <a:r>
+              <a:rPr lang="zh-TW" altLang="en-US" dirty="0" smtClean="0"/>
+              <a:t>中隨機取樣</a:t>
+            </a:r>
             <a:endParaRPr lang="zh-TW" altLang="en-US" dirty="0"/>
           </a:p>
         </p:txBody>
@@ -762,7 +777,7 @@
     </p:spTree>
     <p:extLst>
       <p:ext uri="{BB962C8B-B14F-4D97-AF65-F5344CB8AC3E}">
-        <p14:creationId xmlns:p14="http://schemas.microsoft.com/office/powerpoint/2010/main" val="3698842655"/>
+        <p14:creationId xmlns:p14="http://schemas.microsoft.com/office/powerpoint/2010/main" val="2574842269"/>
       </p:ext>
     </p:extLst>
   </p:cSld>
@@ -837,7 +852,91 @@
           <a:p>
             <a:fld id="{0D059EAB-3A7D-4A41-982A-639E97684C78}" type="slidenum">
               <a:rPr lang="zh-TW" altLang="en-US" smtClean="0"/>
-              <a:t>15</a:t>
+              <a:t>16</a:t>
+            </a:fld>
+            <a:endParaRPr lang="zh-TW" altLang="en-US"/>
+          </a:p>
+        </p:txBody>
+      </p:sp>
+    </p:spTree>
+    <p:extLst>
+      <p:ext uri="{BB962C8B-B14F-4D97-AF65-F5344CB8AC3E}">
+        <p14:creationId xmlns:p14="http://schemas.microsoft.com/office/powerpoint/2010/main" val="3698842655"/>
+      </p:ext>
+    </p:extLst>
+  </p:cSld>
+  <p:clrMapOvr>
+    <a:masterClrMapping/>
+  </p:clrMapOvr>
+</p:notes>
+</file>
+
+<file path=ppt/notesSlides/notesSlide13.xml><?xml version="1.0" encoding="utf-8"?>
+<p:notes xmlns:a="http://schemas.openxmlformats.org/drawingml/2006/main" xmlns:r="http://schemas.openxmlformats.org/officeDocument/2006/relationships" xmlns:p="http://schemas.openxmlformats.org/presentationml/2006/main">
+  <p:cSld>
+    <p:spTree>
+      <p:nvGrpSpPr>
+        <p:cNvPr id="1" name=""/>
+        <p:cNvGrpSpPr/>
+        <p:nvPr/>
+      </p:nvGrpSpPr>
+      <p:grpSpPr>
+        <a:xfrm>
+          <a:off x="0" y="0"/>
+          <a:ext cx="0" cy="0"/>
+          <a:chOff x="0" y="0"/>
+          <a:chExt cx="0" cy="0"/>
+        </a:xfrm>
+      </p:grpSpPr>
+      <p:sp>
+        <p:nvSpPr>
+          <p:cNvPr id="2" name="投影片圖像版面配置區 1"/>
+          <p:cNvSpPr>
+            <a:spLocks noGrp="1" noRot="1" noChangeAspect="1"/>
+          </p:cNvSpPr>
+          <p:nvPr>
+            <p:ph type="sldImg"/>
+          </p:nvPr>
+        </p:nvSpPr>
+        <p:spPr/>
+      </p:sp>
+      <p:sp>
+        <p:nvSpPr>
+          <p:cNvPr id="3" name="備忘稿版面配置區 2"/>
+          <p:cNvSpPr>
+            <a:spLocks noGrp="1"/>
+          </p:cNvSpPr>
+          <p:nvPr>
+            <p:ph type="body" idx="1"/>
+          </p:nvPr>
+        </p:nvSpPr>
+        <p:spPr/>
+        <p:txBody>
+          <a:bodyPr/>
+          <a:lstStyle/>
+          <a:p>
+            <a:endParaRPr lang="zh-TW" altLang="en-US" dirty="0"/>
+          </a:p>
+        </p:txBody>
+      </p:sp>
+      <p:sp>
+        <p:nvSpPr>
+          <p:cNvPr id="4" name="投影片編號版面配置區 3"/>
+          <p:cNvSpPr>
+            <a:spLocks noGrp="1"/>
+          </p:cNvSpPr>
+          <p:nvPr>
+            <p:ph type="sldNum" sz="quarter" idx="10"/>
+          </p:nvPr>
+        </p:nvSpPr>
+        <p:spPr/>
+        <p:txBody>
+          <a:bodyPr/>
+          <a:lstStyle/>
+          <a:p>
+            <a:fld id="{0D059EAB-3A7D-4A41-982A-639E97684C78}" type="slidenum">
+              <a:rPr lang="zh-TW" altLang="en-US" smtClean="0"/>
+              <a:t>17</a:t>
             </a:fld>
             <a:endParaRPr lang="zh-TW" altLang="en-US"/>
           </a:p>
@@ -949,7 +1048,7 @@
           <a:p>
             <a:fld id="{0D059EAB-3A7D-4A41-982A-639E97684C78}" type="slidenum">
               <a:rPr lang="zh-TW" altLang="en-US" smtClean="0"/>
-              <a:t>4</a:t>
+              <a:t>5</a:t>
             </a:fld>
             <a:endParaRPr lang="zh-TW" altLang="en-US"/>
           </a:p>
@@ -1014,15 +1113,31 @@
           <a:p>
             <a:r>
               <a:rPr lang="zh-TW" altLang="en-US" dirty="0" smtClean="0"/>
-              <a:t>每層設計配合</a:t>
-            </a:r>
-            <a:r>
-              <a:rPr lang="en-US" altLang="zh-TW" dirty="0" smtClean="0"/>
-              <a:t>code</a:t>
-            </a:r>
-            <a:r>
-              <a:rPr lang="zh-TW" altLang="en-US" dirty="0" smtClean="0"/>
-              <a:t>證明</a:t>
+              <a:t>提</a:t>
+            </a:r>
+            <a:r>
+              <a:rPr lang="en-US" altLang="zh-TW" sz="1200" kern="1200" dirty="0" smtClean="0">
+                <a:solidFill>
+                  <a:schemeClr val="tx1"/>
+                </a:solidFill>
+                <a:effectLst/>
+                <a:latin typeface="+mn-lt"/>
+                <a:ea typeface="+mn-ea"/>
+                <a:cs typeface="+mn-cs"/>
+              </a:rPr>
+              <a:t>model </a:t>
+            </a:r>
+            <a:r>
+              <a:rPr lang="zh-TW" altLang="en-US" sz="1200" kern="1200" dirty="0" smtClean="0">
+                <a:solidFill>
+                  <a:schemeClr val="tx1"/>
+                </a:solidFill>
+                <a:effectLst/>
+                <a:latin typeface="+mn-lt"/>
+                <a:ea typeface="+mn-ea"/>
+                <a:cs typeface="+mn-cs"/>
+              </a:rPr>
+              <a:t>輸入輸出</a:t>
             </a:r>
             <a:endParaRPr lang="zh-TW" altLang="en-US" dirty="0"/>
           </a:p>
@@ -1045,7 +1160,7 @@
           <a:p>
             <a:fld id="{0D059EAB-3A7D-4A41-982A-639E97684C78}" type="slidenum">
               <a:rPr lang="zh-TW" altLang="en-US" smtClean="0"/>
-              <a:t>5</a:t>
+              <a:t>6</a:t>
             </a:fld>
             <a:endParaRPr lang="zh-TW" altLang="en-US"/>
           </a:p>
@@ -1141,7 +1256,7 @@
           <a:p>
             <a:fld id="{0D059EAB-3A7D-4A41-982A-639E97684C78}" type="slidenum">
               <a:rPr lang="zh-TW" altLang="en-US" smtClean="0"/>
-              <a:t>6</a:t>
+              <a:t>7</a:t>
             </a:fld>
             <a:endParaRPr lang="zh-TW" altLang="en-US"/>
           </a:p>
@@ -1206,31 +1321,15 @@
           <a:p>
             <a:r>
               <a:rPr lang="zh-TW" altLang="en-US" dirty="0" smtClean="0"/>
-              <a:t>提</a:t>
-            </a:r>
-            <a:r>
-              <a:rPr lang="en-US" altLang="zh-TW" sz="1200" kern="1200" dirty="0" smtClean="0">
-                <a:solidFill>
-                  <a:schemeClr val="tx1"/>
-                </a:solidFill>
-                <a:effectLst/>
-                <a:latin typeface="+mn-lt"/>
-                <a:ea typeface="+mn-ea"/>
-                <a:cs typeface="+mn-cs"/>
-              </a:rPr>
-              <a:t>model </a:t>
-            </a:r>
-            <a:r>
-              <a:rPr lang="zh-TW" altLang="en-US" sz="1200" kern="1200" dirty="0" smtClean="0">
-                <a:solidFill>
-                  <a:schemeClr val="tx1"/>
-                </a:solidFill>
-                <a:effectLst/>
-                <a:latin typeface="+mn-lt"/>
-                <a:ea typeface="+mn-ea"/>
-                <a:cs typeface="+mn-cs"/>
-              </a:rPr>
-              <a:t>輸入輸出</a:t>
+              <a:t>每層設計配合</a:t>
+            </a:r>
+            <a:r>
+              <a:rPr lang="en-US" altLang="zh-TW" dirty="0" smtClean="0"/>
+              <a:t>code</a:t>
+            </a:r>
+            <a:r>
+              <a:rPr lang="zh-TW" altLang="en-US" dirty="0" smtClean="0"/>
+              <a:t>證明</a:t>
             </a:r>
             <a:endParaRPr lang="zh-TW" altLang="en-US" dirty="0"/>
           </a:p>
@@ -1253,7 +1352,7 @@
           <a:p>
             <a:fld id="{0D059EAB-3A7D-4A41-982A-639E97684C78}" type="slidenum">
               <a:rPr lang="zh-TW" altLang="en-US" smtClean="0"/>
-              <a:t>7</a:t>
+              <a:t>8</a:t>
             </a:fld>
             <a:endParaRPr lang="zh-TW" altLang="en-US"/>
           </a:p>
@@ -1316,24 +1415,35 @@
           <a:bodyPr/>
           <a:lstStyle/>
           <a:p>
-            <a:pPr marL="0" marR="0" indent="0" algn="l" defTabSz="914400" rtl="0" eaLnBrk="1" fontAlgn="auto" latinLnBrk="0" hangingPunct="1">
-              <a:lnSpc>
-                <a:spcPct val="100000"/>
-              </a:lnSpc>
-              <a:spcBef>
-                <a:spcPts val="0"/>
-              </a:spcBef>
-              <a:spcAft>
-                <a:spcPts val="0"/>
-              </a:spcAft>
-              <a:buClrTx/>
-              <a:buSzTx/>
-              <a:buFontTx/>
-              <a:buNone/>
-              <a:tabLst/>
-              <a:defRPr/>
-            </a:pPr>
-            <a:endParaRPr lang="zh-TW" altLang="en-US" dirty="0" smtClean="0"/>
+            <a:r>
+              <a:rPr lang="zh-TW" altLang="en-US" dirty="0" smtClean="0"/>
+              <a:t>提</a:t>
+            </a:r>
+            <a:r>
+              <a:rPr lang="en-US" altLang="zh-TW" sz="1200" kern="1200" dirty="0" smtClean="0">
+                <a:solidFill>
+                  <a:schemeClr val="tx1"/>
+                </a:solidFill>
+                <a:effectLst/>
+                <a:latin typeface="+mn-lt"/>
+                <a:ea typeface="+mn-ea"/>
+                <a:cs typeface="+mn-cs"/>
+              </a:rPr>
+              <a:t>model </a:t>
+            </a:r>
+            <a:r>
+              <a:rPr lang="zh-TW" altLang="en-US" sz="1200" kern="1200" dirty="0" smtClean="0">
+                <a:solidFill>
+                  <a:schemeClr val="tx1"/>
+                </a:solidFill>
+                <a:effectLst/>
+                <a:latin typeface="+mn-lt"/>
+                <a:ea typeface="+mn-ea"/>
+                <a:cs typeface="+mn-cs"/>
+              </a:rPr>
+              <a:t>輸入輸出</a:t>
+            </a:r>
+            <a:endParaRPr lang="zh-TW" altLang="en-US" dirty="0"/>
           </a:p>
         </p:txBody>
       </p:sp>
@@ -1354,7 +1464,7 @@
           <a:p>
             <a:fld id="{0D059EAB-3A7D-4A41-982A-639E97684C78}" type="slidenum">
               <a:rPr lang="zh-TW" altLang="en-US" smtClean="0"/>
-              <a:t>8</a:t>
+              <a:t>9</a:t>
             </a:fld>
             <a:endParaRPr lang="zh-TW" altLang="en-US"/>
           </a:p>
@@ -1363,7 +1473,7 @@
     </p:spTree>
     <p:extLst>
       <p:ext uri="{BB962C8B-B14F-4D97-AF65-F5344CB8AC3E}">
-        <p14:creationId xmlns:p14="http://schemas.microsoft.com/office/powerpoint/2010/main" val="2625581605"/>
+        <p14:creationId xmlns:p14="http://schemas.microsoft.com/office/powerpoint/2010/main" val="868461530"/>
       </p:ext>
     </p:extLst>
   </p:cSld>
@@ -1455,7 +1565,7 @@
           <a:p>
             <a:fld id="{0D059EAB-3A7D-4A41-982A-639E97684C78}" type="slidenum">
               <a:rPr lang="zh-TW" altLang="en-US" smtClean="0"/>
-              <a:t>9</a:t>
+              <a:t>10</a:t>
             </a:fld>
             <a:endParaRPr lang="zh-TW" altLang="en-US"/>
           </a:p>
@@ -1535,54 +1645,7 @@
               <a:tabLst/>
               <a:defRPr/>
             </a:pPr>
-            <a:r>
-              <a:rPr lang="zh-TW" altLang="en-US" dirty="0" smtClean="0"/>
-              <a:t>訓練好的</a:t>
-            </a:r>
-            <a:r>
-              <a:rPr lang="en-US" altLang="zh-TW" dirty="0" smtClean="0"/>
-              <a:t>model</a:t>
-            </a:r>
-            <a:r>
-              <a:rPr lang="zh-TW" altLang="en-US" dirty="0" smtClean="0"/>
-              <a:t>會以</a:t>
-            </a:r>
-            <a:r>
-              <a:rPr lang="en-US" altLang="zh-TW" dirty="0" err="1" smtClean="0"/>
-              <a:t>save_weights</a:t>
-            </a:r>
-            <a:r>
-              <a:rPr lang="zh-TW" altLang="en-US" dirty="0" smtClean="0"/>
-              <a:t>的方式來儲存</a:t>
-            </a:r>
-            <a:endParaRPr lang="en-US" altLang="zh-TW" dirty="0" smtClean="0"/>
-          </a:p>
-          <a:p>
-            <a:pPr marL="0" marR="0" indent="0" algn="l" defTabSz="914400" rtl="0" eaLnBrk="1" fontAlgn="auto" latinLnBrk="0" hangingPunct="1">
-              <a:lnSpc>
-                <a:spcPct val="100000"/>
-              </a:lnSpc>
-              <a:spcBef>
-                <a:spcPts val="0"/>
-              </a:spcBef>
-              <a:spcAft>
-                <a:spcPts val="0"/>
-              </a:spcAft>
-              <a:buClrTx/>
-              <a:buSzTx/>
-              <a:buFontTx/>
-              <a:buNone/>
-              <a:tabLst/>
-              <a:defRPr/>
-            </a:pPr>
-            <a:r>
-              <a:rPr lang="en-US" altLang="zh-TW" dirty="0" smtClean="0"/>
-              <a:t>h5 file</a:t>
-            </a:r>
-            <a:r>
-              <a:rPr lang="zh-TW" altLang="en-US" dirty="0" smtClean="0"/>
-              <a:t>有多大</a:t>
-            </a:r>
+            <a:endParaRPr lang="zh-TW" altLang="en-US" dirty="0" smtClean="0"/>
           </a:p>
         </p:txBody>
       </p:sp>
@@ -1603,7 +1666,7 @@
           <a:p>
             <a:fld id="{0D059EAB-3A7D-4A41-982A-639E97684C78}" type="slidenum">
               <a:rPr lang="zh-TW" altLang="en-US" smtClean="0"/>
-              <a:t>10</a:t>
+              <a:t>11</a:t>
             </a:fld>
             <a:endParaRPr lang="zh-TW" altLang="en-US"/>
           </a:p>
@@ -1666,7 +1729,71 @@
           <a:bodyPr/>
           <a:lstStyle/>
           <a:p>
-            <a:endParaRPr lang="zh-TW" altLang="en-US" dirty="0"/>
+            <a:pPr marL="0" marR="0" indent="0" algn="l" defTabSz="914400" rtl="0" eaLnBrk="1" fontAlgn="auto" latinLnBrk="0" hangingPunct="1">
+              <a:lnSpc>
+                <a:spcPct val="100000"/>
+              </a:lnSpc>
+              <a:spcBef>
+                <a:spcPts val="0"/>
+              </a:spcBef>
+              <a:spcAft>
+                <a:spcPts val="0"/>
+              </a:spcAft>
+              <a:buClrTx/>
+              <a:buSzTx/>
+              <a:buFontTx/>
+              <a:buNone/>
+              <a:tabLst/>
+              <a:defRPr/>
+            </a:pPr>
+            <a:r>
+              <a:rPr lang="zh-TW" altLang="en-US" dirty="0" smtClean="0"/>
+              <a:t>訓練好的</a:t>
+            </a:r>
+            <a:r>
+              <a:rPr lang="en-US" altLang="zh-TW" dirty="0" smtClean="0"/>
+              <a:t>model</a:t>
+            </a:r>
+            <a:r>
+              <a:rPr lang="zh-TW" altLang="en-US" dirty="0" smtClean="0"/>
+              <a:t>會以</a:t>
+            </a:r>
+            <a:r>
+              <a:rPr lang="en-US" altLang="zh-TW" dirty="0" err="1" smtClean="0"/>
+              <a:t>save_weights</a:t>
+            </a:r>
+            <a:r>
+              <a:rPr lang="zh-TW" altLang="en-US" dirty="0" smtClean="0"/>
+              <a:t>的方式來儲存</a:t>
+            </a:r>
+            <a:endParaRPr lang="en-US" altLang="zh-TW" dirty="0" smtClean="0"/>
+          </a:p>
+          <a:p>
+            <a:pPr marL="0" marR="0" indent="0" algn="l" defTabSz="914400" rtl="0" eaLnBrk="1" fontAlgn="auto" latinLnBrk="0" hangingPunct="1">
+              <a:lnSpc>
+                <a:spcPct val="100000"/>
+              </a:lnSpc>
+              <a:spcBef>
+                <a:spcPts val="0"/>
+              </a:spcBef>
+              <a:spcAft>
+                <a:spcPts val="0"/>
+              </a:spcAft>
+              <a:buClrTx/>
+              <a:buSzTx/>
+              <a:buFontTx/>
+              <a:buNone/>
+              <a:tabLst/>
+              <a:defRPr/>
+            </a:pPr>
+            <a:r>
+              <a:rPr lang="en-US" altLang="zh-TW" dirty="0" smtClean="0"/>
+              <a:t>h5 file</a:t>
+            </a:r>
+            <a:r>
+              <a:rPr lang="zh-TW" altLang="en-US" dirty="0" smtClean="0"/>
+              <a:t>有多大</a:t>
+            </a:r>
           </a:p>
         </p:txBody>
       </p:sp>
@@ -1687,7 +1814,7 @@
           <a:p>
             <a:fld id="{0D059EAB-3A7D-4A41-982A-639E97684C78}" type="slidenum">
               <a:rPr lang="zh-TW" altLang="en-US" smtClean="0"/>
-              <a:t>11</a:t>
+              <a:t>12</a:t>
             </a:fld>
             <a:endParaRPr lang="zh-TW" altLang="en-US"/>
           </a:p>
@@ -1696,7 +1823,7 @@
     </p:spTree>
     <p:extLst>
       <p:ext uri="{BB962C8B-B14F-4D97-AF65-F5344CB8AC3E}">
-        <p14:creationId xmlns:p14="http://schemas.microsoft.com/office/powerpoint/2010/main" val="2574842269"/>
+        <p14:creationId xmlns:p14="http://schemas.microsoft.com/office/powerpoint/2010/main" val="2625581605"/>
       </p:ext>
     </p:extLst>
   </p:cSld>
@@ -1837,7 +1964,7 @@
           <a:p>
             <a:fld id="{66E89D73-2211-4915-BA71-4BB08D660248}" type="datetimeFigureOut">
               <a:rPr lang="zh-TW" altLang="en-US" smtClean="0"/>
-              <a:t>2019/6/9</a:t>
+              <a:t>2019/6/12</a:t>
             </a:fld>
             <a:endParaRPr lang="zh-TW" altLang="en-US"/>
           </a:p>
@@ -2007,7 +2134,7 @@
           <a:p>
             <a:fld id="{66E89D73-2211-4915-BA71-4BB08D660248}" type="datetimeFigureOut">
               <a:rPr lang="zh-TW" altLang="en-US" smtClean="0"/>
-              <a:t>2019/6/9</a:t>
+              <a:t>2019/6/12</a:t>
             </a:fld>
             <a:endParaRPr lang="zh-TW" altLang="en-US"/>
           </a:p>
@@ -2187,7 +2314,7 @@
           <a:p>
             <a:fld id="{66E89D73-2211-4915-BA71-4BB08D660248}" type="datetimeFigureOut">
               <a:rPr lang="zh-TW" altLang="en-US" smtClean="0"/>
-              <a:t>2019/6/9</a:t>
+              <a:t>2019/6/12</a:t>
             </a:fld>
             <a:endParaRPr lang="zh-TW" altLang="en-US"/>
           </a:p>
@@ -2357,7 +2484,7 @@
           <a:p>
             <a:fld id="{66E89D73-2211-4915-BA71-4BB08D660248}" type="datetimeFigureOut">
               <a:rPr lang="zh-TW" altLang="en-US" smtClean="0"/>
-              <a:t>2019/6/9</a:t>
+              <a:t>2019/6/12</a:t>
             </a:fld>
             <a:endParaRPr lang="zh-TW" altLang="en-US"/>
           </a:p>
@@ -2603,7 +2730,7 @@
           <a:p>
             <a:fld id="{66E89D73-2211-4915-BA71-4BB08D660248}" type="datetimeFigureOut">
               <a:rPr lang="zh-TW" altLang="en-US" smtClean="0"/>
-              <a:t>2019/6/9</a:t>
+              <a:t>2019/6/12</a:t>
             </a:fld>
             <a:endParaRPr lang="zh-TW" altLang="en-US"/>
           </a:p>
@@ -2835,7 +2962,7 @@
           <a:p>
             <a:fld id="{66E89D73-2211-4915-BA71-4BB08D660248}" type="datetimeFigureOut">
               <a:rPr lang="zh-TW" altLang="en-US" smtClean="0"/>
-              <a:t>2019/6/9</a:t>
+              <a:t>2019/6/12</a:t>
             </a:fld>
             <a:endParaRPr lang="zh-TW" altLang="en-US"/>
           </a:p>
@@ -3202,7 +3329,7 @@
           <a:p>
             <a:fld id="{66E89D73-2211-4915-BA71-4BB08D660248}" type="datetimeFigureOut">
               <a:rPr lang="zh-TW" altLang="en-US" smtClean="0"/>
-              <a:t>2019/6/9</a:t>
+              <a:t>2019/6/12</a:t>
             </a:fld>
             <a:endParaRPr lang="zh-TW" altLang="en-US"/>
           </a:p>
@@ -3320,7 +3447,7 @@
           <a:p>
             <a:fld id="{66E89D73-2211-4915-BA71-4BB08D660248}" type="datetimeFigureOut">
               <a:rPr lang="zh-TW" altLang="en-US" smtClean="0"/>
-              <a:t>2019/6/9</a:t>
+              <a:t>2019/6/12</a:t>
             </a:fld>
             <a:endParaRPr lang="zh-TW" altLang="en-US"/>
           </a:p>
@@ -3415,7 +3542,7 @@
           <a:p>
             <a:fld id="{66E89D73-2211-4915-BA71-4BB08D660248}" type="datetimeFigureOut">
               <a:rPr lang="zh-TW" altLang="en-US" smtClean="0"/>
-              <a:t>2019/6/9</a:t>
+              <a:t>2019/6/12</a:t>
             </a:fld>
             <a:endParaRPr lang="zh-TW" altLang="en-US"/>
           </a:p>
@@ -3692,7 +3819,7 @@
           <a:p>
             <a:fld id="{66E89D73-2211-4915-BA71-4BB08D660248}" type="datetimeFigureOut">
               <a:rPr lang="zh-TW" altLang="en-US" smtClean="0"/>
-              <a:t>2019/6/9</a:t>
+              <a:t>2019/6/12</a:t>
             </a:fld>
             <a:endParaRPr lang="zh-TW" altLang="en-US"/>
           </a:p>
@@ -3945,7 +4072,7 @@
           <a:p>
             <a:fld id="{66E89D73-2211-4915-BA71-4BB08D660248}" type="datetimeFigureOut">
               <a:rPr lang="zh-TW" altLang="en-US" smtClean="0"/>
-              <a:t>2019/6/9</a:t>
+              <a:t>2019/6/12</a:t>
             </a:fld>
             <a:endParaRPr lang="zh-TW" altLang="en-US"/>
           </a:p>
@@ -4158,7 +4285,7 @@
           <a:p>
             <a:fld id="{66E89D73-2211-4915-BA71-4BB08D660248}" type="datetimeFigureOut">
               <a:rPr lang="zh-TW" altLang="en-US" smtClean="0"/>
-              <a:t>2019/6/9</a:t>
+              <a:t>2019/6/12</a:t>
             </a:fld>
             <a:endParaRPr lang="zh-TW" altLang="en-US"/>
           </a:p>
@@ -4742,6 +4869,381 @@
             </a:r>
             <a:r>
               <a:rPr lang="en-US" altLang="zh-TW" dirty="0" smtClean="0"/>
+              <a:t>-Loss function (Categorical cross-entropy)</a:t>
+            </a:r>
+          </a:p>
+          <a:p>
+            <a:pPr lvl="1"/>
+            <a:r>
+              <a:rPr lang="zh-TW" altLang="zh-TW" dirty="0"/>
+              <a:t>適用於多分類</a:t>
+            </a:r>
+            <a:r>
+              <a:rPr lang="zh-TW" altLang="zh-TW" dirty="0" smtClean="0"/>
+              <a:t>問題</a:t>
+            </a:r>
+            <a:endParaRPr lang="en-US" altLang="zh-TW" dirty="0" smtClean="0"/>
+          </a:p>
+          <a:p>
+            <a:pPr lvl="1"/>
+            <a:r>
+              <a:rPr lang="zh-TW" altLang="zh-TW" dirty="0"/>
+              <a:t>量化笑容的等級</a:t>
+            </a:r>
+            <a:r>
+              <a:rPr lang="en-US" altLang="zh-TW" dirty="0"/>
+              <a:t>(0~10</a:t>
+            </a:r>
+            <a:r>
+              <a:rPr lang="zh-TW" altLang="zh-TW" dirty="0"/>
+              <a:t>，共</a:t>
+            </a:r>
+            <a:r>
+              <a:rPr lang="en-US" altLang="zh-TW" dirty="0"/>
+              <a:t>11</a:t>
+            </a:r>
+            <a:r>
+              <a:rPr lang="zh-TW" altLang="zh-TW" dirty="0"/>
+              <a:t>種</a:t>
+            </a:r>
+            <a:r>
+              <a:rPr lang="en-US" altLang="zh-TW" dirty="0"/>
+              <a:t>)</a:t>
+            </a:r>
+            <a:endParaRPr lang="en-US" altLang="zh-TW" dirty="0" smtClean="0"/>
+          </a:p>
+          <a:p>
+            <a:pPr lvl="2"/>
+            <a:endParaRPr lang="en-US" altLang="zh-TW" dirty="0" smtClean="0"/>
+          </a:p>
+        </p:txBody>
+      </p:sp>
+      <p:pic>
+        <p:nvPicPr>
+          <p:cNvPr id="5" name="圖片 4" descr="C:\Users\User\AppData\Local\LINE\Cache\tmp\1559920248003.jpg"/>
+          <p:cNvPicPr/>
+          <p:nvPr/>
+        </p:nvPicPr>
+        <p:blipFill>
+          <a:blip r:embed="rId3">
+            <a:extLst>
+              <a:ext uri="{28A0092B-C50C-407E-A947-70E740481C1C}">
+                <a14:useLocalDpi xmlns:a14="http://schemas.microsoft.com/office/drawing/2010/main" val="0"/>
+              </a:ext>
+            </a:extLst>
+          </a:blip>
+          <a:srcRect/>
+          <a:stretch>
+            <a:fillRect/>
+          </a:stretch>
+        </p:blipFill>
+        <p:spPr bwMode="auto">
+          <a:xfrm>
+            <a:off x="3242310" y="3798570"/>
+            <a:ext cx="5219700" cy="1165860"/>
+          </a:xfrm>
+          <a:prstGeom prst="rect">
+            <a:avLst/>
+          </a:prstGeom>
+          <a:noFill/>
+          <a:ln>
+            <a:noFill/>
+          </a:ln>
+        </p:spPr>
+      </p:pic>
+      <p:pic>
+        <p:nvPicPr>
+          <p:cNvPr id="6" name="圖片 5" descr="C:\Users\User\AppData\Local\LINE\Cache\tmp\1559919947733.jpg"/>
+          <p:cNvPicPr/>
+          <p:nvPr/>
+        </p:nvPicPr>
+        <p:blipFill>
+          <a:blip r:embed="rId4">
+            <a:extLst>
+              <a:ext uri="{28A0092B-C50C-407E-A947-70E740481C1C}">
+                <a14:useLocalDpi xmlns:a14="http://schemas.microsoft.com/office/drawing/2010/main" val="0"/>
+              </a:ext>
+            </a:extLst>
+          </a:blip>
+          <a:srcRect/>
+          <a:stretch>
+            <a:fillRect/>
+          </a:stretch>
+        </p:blipFill>
+        <p:spPr bwMode="auto">
+          <a:xfrm>
+            <a:off x="3017520" y="5406390"/>
+            <a:ext cx="5669280" cy="617220"/>
+          </a:xfrm>
+          <a:prstGeom prst="rect">
+            <a:avLst/>
+          </a:prstGeom>
+          <a:noFill/>
+          <a:ln>
+            <a:noFill/>
+          </a:ln>
+        </p:spPr>
+      </p:pic>
+    </p:spTree>
+    <p:extLst>
+      <p:ext uri="{BB962C8B-B14F-4D97-AF65-F5344CB8AC3E}">
+        <p14:creationId xmlns:p14="http://schemas.microsoft.com/office/powerpoint/2010/main" val="1742323500"/>
+      </p:ext>
+    </p:extLst>
+  </p:cSld>
+  <p:clrMapOvr>
+    <a:masterClrMapping/>
+  </p:clrMapOvr>
+</p:sld>
+</file>
+
+<file path=ppt/slides/slide11.xml><?xml version="1.0" encoding="utf-8"?>
+<p:sld xmlns:a="http://schemas.openxmlformats.org/drawingml/2006/main" xmlns:r="http://schemas.openxmlformats.org/officeDocument/2006/relationships" xmlns:p="http://schemas.openxmlformats.org/presentationml/2006/main">
+  <p:cSld>
+    <p:bg>
+      <p:bgPr>
+        <a:solidFill>
+          <a:schemeClr val="bg1"/>
+        </a:solidFill>
+        <a:effectLst/>
+      </p:bgPr>
+    </p:bg>
+    <p:spTree>
+      <p:nvGrpSpPr>
+        <p:cNvPr id="1" name=""/>
+        <p:cNvGrpSpPr/>
+        <p:nvPr/>
+      </p:nvGrpSpPr>
+      <p:grpSpPr>
+        <a:xfrm>
+          <a:off x="0" y="0"/>
+          <a:ext cx="0" cy="0"/>
+          <a:chOff x="0" y="0"/>
+          <a:chExt cx="0" cy="0"/>
+        </a:xfrm>
+      </p:grpSpPr>
+      <p:sp>
+        <p:nvSpPr>
+          <p:cNvPr id="2" name="標題 1"/>
+          <p:cNvSpPr>
+            <a:spLocks noGrp="1"/>
+          </p:cNvSpPr>
+          <p:nvPr>
+            <p:ph type="title"/>
+          </p:nvPr>
+        </p:nvSpPr>
+        <p:spPr/>
+        <p:txBody>
+          <a:bodyPr/>
+          <a:lstStyle/>
+          <a:p>
+            <a:r>
+              <a:rPr lang="zh-TW" altLang="en-US" dirty="0"/>
+              <a:t>作品介紹</a:t>
+            </a:r>
+          </a:p>
+        </p:txBody>
+      </p:sp>
+      <p:sp>
+        <p:nvSpPr>
+          <p:cNvPr id="3" name="內容版面配置區 2"/>
+          <p:cNvSpPr>
+            <a:spLocks noGrp="1"/>
+          </p:cNvSpPr>
+          <p:nvPr>
+            <p:ph idx="1"/>
+          </p:nvPr>
+        </p:nvSpPr>
+        <p:spPr/>
+        <p:txBody>
+          <a:bodyPr/>
+          <a:lstStyle/>
+          <a:p>
+            <a:r>
+              <a:rPr lang="zh-TW" altLang="en-US" dirty="0"/>
+              <a:t>網路訓練 </a:t>
+            </a:r>
+            <a:r>
+              <a:rPr lang="en-US" altLang="zh-TW" dirty="0"/>
+              <a:t>- optimizer and the setting of </a:t>
+            </a:r>
+            <a:r>
+              <a:rPr lang="en-US" altLang="zh-TW" dirty="0" err="1" smtClean="0"/>
+              <a:t>hyperparameter</a:t>
+            </a:r>
+            <a:endParaRPr lang="en-US" altLang="zh-TW" dirty="0" smtClean="0"/>
+          </a:p>
+          <a:p>
+            <a:pPr lvl="1"/>
+            <a:r>
+              <a:rPr lang="zh-TW" altLang="zh-TW" dirty="0"/>
+              <a:t>本系統的</a:t>
+            </a:r>
+            <a:r>
+              <a:rPr lang="en-US" altLang="zh-TW" dirty="0"/>
+              <a:t>Optimizer</a:t>
+            </a:r>
+            <a:r>
+              <a:rPr lang="zh-TW" altLang="zh-TW" dirty="0"/>
+              <a:t>使用</a:t>
+            </a:r>
+            <a:r>
+              <a:rPr lang="en-US" altLang="zh-TW" dirty="0"/>
+              <a:t>Adam </a:t>
+            </a:r>
+            <a:r>
+              <a:rPr lang="en-US" altLang="zh-TW" dirty="0" smtClean="0"/>
+              <a:t>Optimizer</a:t>
+            </a:r>
+          </a:p>
+          <a:p>
+            <a:pPr lvl="1"/>
+            <a:r>
+              <a:rPr lang="en-US" altLang="zh-TW" dirty="0" err="1"/>
+              <a:t>hyperparameter</a:t>
+            </a:r>
+            <a:r>
+              <a:rPr lang="zh-TW" altLang="zh-TW" dirty="0"/>
+              <a:t>的設定是將</a:t>
+            </a:r>
+            <a:r>
+              <a:rPr lang="en-US" altLang="zh-TW" dirty="0"/>
+              <a:t>learning rate</a:t>
+            </a:r>
+            <a:r>
+              <a:rPr lang="zh-TW" altLang="zh-TW" dirty="0"/>
+              <a:t>設為</a:t>
+            </a:r>
+            <a:r>
+              <a:rPr lang="en-US" altLang="zh-TW" dirty="0"/>
+              <a:t>1e-5(</a:t>
+            </a:r>
+            <a:r>
+              <a:rPr lang="zh-TW" altLang="zh-TW" dirty="0"/>
+              <a:t>即</a:t>
+            </a:r>
+            <a:r>
+              <a:rPr lang="en-US" altLang="zh-TW" dirty="0"/>
+              <a:t>0.00001)</a:t>
+            </a:r>
+            <a:endParaRPr lang="en-US" altLang="zh-TW" dirty="0" smtClean="0"/>
+          </a:p>
+          <a:p>
+            <a:pPr lvl="2"/>
+            <a:endParaRPr lang="en-US" altLang="zh-TW" dirty="0" smtClean="0"/>
+          </a:p>
+        </p:txBody>
+      </p:sp>
+      <p:pic>
+        <p:nvPicPr>
+          <p:cNvPr id="4" name="圖片 3" descr="C:\Users\User\AppData\Local\LINE\Cache\tmp\1560007312515.jpg"/>
+          <p:cNvPicPr/>
+          <p:nvPr/>
+        </p:nvPicPr>
+        <p:blipFill>
+          <a:blip r:embed="rId3">
+            <a:extLst>
+              <a:ext uri="{28A0092B-C50C-407E-A947-70E740481C1C}">
+                <a14:useLocalDpi xmlns:a14="http://schemas.microsoft.com/office/drawing/2010/main" val="0"/>
+              </a:ext>
+            </a:extLst>
+          </a:blip>
+          <a:srcRect/>
+          <a:stretch>
+            <a:fillRect/>
+          </a:stretch>
+        </p:blipFill>
+        <p:spPr bwMode="auto">
+          <a:xfrm>
+            <a:off x="3307080" y="4027170"/>
+            <a:ext cx="5459730" cy="1550670"/>
+          </a:xfrm>
+          <a:prstGeom prst="rect">
+            <a:avLst/>
+          </a:prstGeom>
+          <a:noFill/>
+          <a:ln>
+            <a:noFill/>
+          </a:ln>
+        </p:spPr>
+      </p:pic>
+    </p:spTree>
+    <p:extLst>
+      <p:ext uri="{BB962C8B-B14F-4D97-AF65-F5344CB8AC3E}">
+        <p14:creationId xmlns:p14="http://schemas.microsoft.com/office/powerpoint/2010/main" val="449733410"/>
+      </p:ext>
+    </p:extLst>
+  </p:cSld>
+  <p:clrMapOvr>
+    <a:masterClrMapping/>
+  </p:clrMapOvr>
+</p:sld>
+</file>
+
+<file path=ppt/slides/slide12.xml><?xml version="1.0" encoding="utf-8"?>
+<p:sld xmlns:a="http://schemas.openxmlformats.org/drawingml/2006/main" xmlns:r="http://schemas.openxmlformats.org/officeDocument/2006/relationships" xmlns:p="http://schemas.openxmlformats.org/presentationml/2006/main">
+  <p:cSld>
+    <p:spTree>
+      <p:nvGrpSpPr>
+        <p:cNvPr id="1" name=""/>
+        <p:cNvGrpSpPr/>
+        <p:nvPr/>
+      </p:nvGrpSpPr>
+      <p:grpSpPr>
+        <a:xfrm>
+          <a:off x="0" y="0"/>
+          <a:ext cx="0" cy="0"/>
+          <a:chOff x="0" y="0"/>
+          <a:chExt cx="0" cy="0"/>
+        </a:xfrm>
+      </p:grpSpPr>
+      <p:sp>
+        <p:nvSpPr>
+          <p:cNvPr id="2" name="標題 1"/>
+          <p:cNvSpPr>
+            <a:spLocks noGrp="1"/>
+          </p:cNvSpPr>
+          <p:nvPr>
+            <p:ph type="title"/>
+          </p:nvPr>
+        </p:nvSpPr>
+        <p:spPr/>
+        <p:txBody>
+          <a:bodyPr/>
+          <a:lstStyle/>
+          <a:p>
+            <a:r>
+              <a:rPr lang="zh-TW" altLang="en-US" dirty="0"/>
+              <a:t>作品介紹</a:t>
+            </a:r>
+          </a:p>
+        </p:txBody>
+      </p:sp>
+      <p:sp>
+        <p:nvSpPr>
+          <p:cNvPr id="3" name="內容版面配置區 2"/>
+          <p:cNvSpPr>
+            <a:spLocks noGrp="1"/>
+          </p:cNvSpPr>
+          <p:nvPr>
+            <p:ph idx="1"/>
+          </p:nvPr>
+        </p:nvSpPr>
+        <p:spPr/>
+        <p:txBody>
+          <a:bodyPr/>
+          <a:lstStyle/>
+          <a:p>
+            <a:r>
+              <a:rPr lang="zh-TW" altLang="en-US" dirty="0"/>
+              <a:t>網路</a:t>
+            </a:r>
+            <a:r>
+              <a:rPr lang="zh-TW" altLang="en-US" dirty="0" smtClean="0"/>
+              <a:t>訓練</a:t>
+            </a:r>
+            <a:r>
+              <a:rPr lang="en-US" altLang="zh-TW" dirty="0" smtClean="0"/>
               <a:t>-</a:t>
             </a:r>
             <a:r>
@@ -4782,7 +5284,6 @@
               <a:rPr lang="en-US" altLang="zh-TW" dirty="0"/>
               <a:t>:model_frcnn.hdf5</a:t>
             </a:r>
-            <a:endParaRPr lang="en-US" altLang="zh-TW" dirty="0"/>
           </a:p>
           <a:p>
             <a:pPr lvl="1"/>
@@ -4847,7 +5348,7 @@
 </p:sld>
 </file>
 
-<file path=ppt/slides/slide11.xml><?xml version="1.0" encoding="utf-8"?>
+<file path=ppt/slides/slide13.xml><?xml version="1.0" encoding="utf-8"?>
 <p:sld xmlns:a="http://schemas.openxmlformats.org/drawingml/2006/main" xmlns:r="http://schemas.openxmlformats.org/officeDocument/2006/relationships" xmlns:p="http://schemas.openxmlformats.org/presentationml/2006/main">
   <p:cSld>
     <p:spTree>
@@ -4967,7 +5468,7 @@
 </p:sld>
 </file>
 
-<file path=ppt/slides/slide12.xml><?xml version="1.0" encoding="utf-8"?>
+<file path=ppt/slides/slide14.xml><?xml version="1.0" encoding="utf-8"?>
 <p:sld xmlns:a="http://schemas.openxmlformats.org/drawingml/2006/main" xmlns:r="http://schemas.openxmlformats.org/officeDocument/2006/relationships" xmlns:p="http://schemas.openxmlformats.org/presentationml/2006/main">
   <p:cSld>
     <p:spTree>
@@ -5072,7 +5573,7 @@
 </p:sld>
 </file>
 
-<file path=ppt/slides/slide13.xml><?xml version="1.0" encoding="utf-8"?>
+<file path=ppt/slides/slide15.xml><?xml version="1.0" encoding="utf-8"?>
 <p:sld xmlns:a="http://schemas.openxmlformats.org/drawingml/2006/main" xmlns:r="http://schemas.openxmlformats.org/officeDocument/2006/relationships" xmlns:p="http://schemas.openxmlformats.org/presentationml/2006/main">
   <p:cSld>
     <p:spTree>
@@ -5332,7 +5833,7 @@
 </p:sld>
 </file>
 
-<file path=ppt/slides/slide14.xml><?xml version="1.0" encoding="utf-8"?>
+<file path=ppt/slides/slide16.xml><?xml version="1.0" encoding="utf-8"?>
 <p:sld xmlns:a="http://schemas.openxmlformats.org/drawingml/2006/main" xmlns:r="http://schemas.openxmlformats.org/officeDocument/2006/relationships" xmlns:p="http://schemas.openxmlformats.org/presentationml/2006/main">
   <p:cSld>
     <p:spTree>
@@ -5550,7 +6051,7 @@
 </p:sld>
 </file>
 
-<file path=ppt/slides/slide15.xml><?xml version="1.0" encoding="utf-8"?>
+<file path=ppt/slides/slide17.xml><?xml version="1.0" encoding="utf-8"?>
 <p:sld xmlns:a="http://schemas.openxmlformats.org/drawingml/2006/main" xmlns:r="http://schemas.openxmlformats.org/officeDocument/2006/relationships" xmlns:p="http://schemas.openxmlformats.org/presentationml/2006/main">
   <p:cSld>
     <p:spTree>
@@ -5786,7 +6287,7 @@
 </p:sld>
 </file>
 
-<file path=ppt/slides/slide16.xml><?xml version="1.0" encoding="utf-8"?>
+<file path=ppt/slides/slide18.xml><?xml version="1.0" encoding="utf-8"?>
 <p:sld xmlns:a="http://schemas.openxmlformats.org/drawingml/2006/main" xmlns:r="http://schemas.openxmlformats.org/officeDocument/2006/relationships" xmlns:p="http://schemas.openxmlformats.org/presentationml/2006/main">
   <p:cSld>
     <p:spTree>
@@ -5965,7 +6466,7 @@
 </p:sld>
 </file>
 
-<file path=ppt/slides/slide17.xml><?xml version="1.0" encoding="utf-8"?>
+<file path=ppt/slides/slide19.xml><?xml version="1.0" encoding="utf-8"?>
 <p:sld xmlns:a="http://schemas.openxmlformats.org/drawingml/2006/main" xmlns:r="http://schemas.openxmlformats.org/officeDocument/2006/relationships" xmlns:p="http://schemas.openxmlformats.org/presentationml/2006/main">
   <p:cSld>
     <p:spTree>
@@ -6178,6 +6679,529 @@
       </p:grpSpPr>
       <p:sp>
         <p:nvSpPr>
+          <p:cNvPr id="29" name="矩形 28"/>
+          <p:cNvSpPr/>
+          <p:nvPr/>
+        </p:nvSpPr>
+        <p:spPr>
+          <a:xfrm>
+            <a:off x="10414229" y="8043204"/>
+            <a:ext cx="351656" cy="160420"/>
+          </a:xfrm>
+          <a:prstGeom prst="rect">
+            <a:avLst/>
+          </a:prstGeom>
+          <a:solidFill>
+            <a:srgbClr val="DEDEDE"/>
+          </a:solidFill>
+          <a:ln>
+            <a:solidFill>
+              <a:srgbClr val="DEDEDE"/>
+            </a:solidFill>
+          </a:ln>
+        </p:spPr>
+        <p:style>
+          <a:lnRef idx="1">
+            <a:schemeClr val="accent1"/>
+          </a:lnRef>
+          <a:fillRef idx="2">
+            <a:schemeClr val="accent1"/>
+          </a:fillRef>
+          <a:effectRef idx="1">
+            <a:schemeClr val="accent1"/>
+          </a:effectRef>
+          <a:fontRef idx="minor">
+            <a:schemeClr val="dk1"/>
+          </a:fontRef>
+        </p:style>
+        <p:txBody>
+          <a:bodyPr rtlCol="0" anchor="ctr"/>
+          <a:lstStyle/>
+          <a:p>
+            <a:pPr algn="ctr"/>
+            <a:endParaRPr lang="zh-TW" altLang="en-US" sz="2400"/>
+          </a:p>
+        </p:txBody>
+      </p:sp>
+      <p:sp>
+        <p:nvSpPr>
+          <p:cNvPr id="18" name="文字方塊 17"/>
+          <p:cNvSpPr txBox="1"/>
+          <p:nvPr/>
+        </p:nvSpPr>
+        <p:spPr>
+          <a:xfrm>
+            <a:off x="1823414" y="100095"/>
+            <a:ext cx="4435884" cy="535531"/>
+          </a:xfrm>
+          <a:prstGeom prst="rect">
+            <a:avLst/>
+          </a:prstGeom>
+          <a:noFill/>
+          <a:ln>
+            <a:noFill/>
+          </a:ln>
+        </p:spPr>
+        <p:txBody>
+          <a:bodyPr wrap="square" rtlCol="0">
+            <a:spAutoFit/>
+          </a:bodyPr>
+          <a:lstStyle/>
+          <a:p>
+            <a:pPr>
+              <a:lnSpc>
+                <a:spcPct val="90000"/>
+              </a:lnSpc>
+            </a:pPr>
+            <a:endParaRPr lang="zh-TW" altLang="en-US" sz="600" b="1" dirty="0">
+              <a:solidFill>
+                <a:srgbClr val="3C6EBE"/>
+              </a:solidFill>
+              <a:latin typeface="微軟正黑體" panose="020B0604030504040204" pitchFamily="34" charset="-120"/>
+              <a:ea typeface="微軟正黑體" panose="020B0604030504040204" pitchFamily="34" charset="-120"/>
+            </a:endParaRPr>
+          </a:p>
+          <a:p>
+            <a:pPr>
+              <a:lnSpc>
+                <a:spcPct val="90000"/>
+              </a:lnSpc>
+            </a:pPr>
+            <a:r>
+              <a:rPr lang="en-US" altLang="zh-TW" sz="2600" b="1" dirty="0">
+                <a:solidFill>
+                  <a:srgbClr val="3C6EBE"/>
+                </a:solidFill>
+              </a:rPr>
+              <a:t>-- BACKGROUND</a:t>
+            </a:r>
+            <a:endParaRPr lang="zh-TW" altLang="en-US" sz="2600" b="1" dirty="0">
+              <a:solidFill>
+                <a:srgbClr val="3C6EBE"/>
+              </a:solidFill>
+              <a:latin typeface="微軟正黑體" panose="020B0604030504040204" pitchFamily="34" charset="-120"/>
+              <a:ea typeface="微軟正黑體" panose="020B0604030504040204" pitchFamily="34" charset="-120"/>
+            </a:endParaRPr>
+          </a:p>
+        </p:txBody>
+      </p:sp>
+      <p:pic>
+        <p:nvPicPr>
+          <p:cNvPr id="19" name="圖片 18"/>
+          <p:cNvPicPr>
+            <a:picLocks noChangeAspect="1"/>
+          </p:cNvPicPr>
+          <p:nvPr/>
+        </p:nvPicPr>
+        <p:blipFill>
+          <a:blip r:embed="rId3">
+            <a:extLst>
+              <a:ext uri="{28A0092B-C50C-407E-A947-70E740481C1C}">
+                <a14:useLocalDpi xmlns:a14="http://schemas.microsoft.com/office/drawing/2010/main" val="0"/>
+              </a:ext>
+            </a:extLst>
+          </a:blip>
+          <a:stretch>
+            <a:fillRect/>
+          </a:stretch>
+        </p:blipFill>
+        <p:spPr>
+          <a:xfrm>
+            <a:off x="-56812" y="-54484"/>
+            <a:ext cx="1961950" cy="965567"/>
+          </a:xfrm>
+          <a:prstGeom prst="rect">
+            <a:avLst/>
+          </a:prstGeom>
+        </p:spPr>
+      </p:pic>
+      <p:pic>
+        <p:nvPicPr>
+          <p:cNvPr id="25" name="圖片 24"/>
+          <p:cNvPicPr>
+            <a:picLocks noChangeAspect="1"/>
+          </p:cNvPicPr>
+          <p:nvPr/>
+        </p:nvPicPr>
+        <p:blipFill>
+          <a:blip r:embed="rId4">
+            <a:extLst>
+              <a:ext uri="{28A0092B-C50C-407E-A947-70E740481C1C}">
+                <a14:useLocalDpi xmlns:a14="http://schemas.microsoft.com/office/drawing/2010/main" val="0"/>
+              </a:ext>
+            </a:extLst>
+          </a:blip>
+          <a:stretch>
+            <a:fillRect/>
+          </a:stretch>
+        </p:blipFill>
+        <p:spPr>
+          <a:xfrm>
+            <a:off x="-56012" y="-54000"/>
+            <a:ext cx="1960392" cy="964800"/>
+          </a:xfrm>
+          <a:prstGeom prst="rect">
+            <a:avLst/>
+          </a:prstGeom>
+        </p:spPr>
+      </p:pic>
+      <p:pic>
+        <p:nvPicPr>
+          <p:cNvPr id="28" name="圖片 10"/>
+          <p:cNvPicPr>
+            <a:picLocks noChangeAspect="1"/>
+          </p:cNvPicPr>
+          <p:nvPr/>
+        </p:nvPicPr>
+        <p:blipFill rotWithShape="1">
+          <a:blip r:embed="rId5"/>
+          <a:srcRect r="10818" b="15637"/>
+          <a:stretch>
+            <a:fillRect/>
+          </a:stretch>
+        </p:blipFill>
+        <p:spPr>
+          <a:xfrm>
+            <a:off x="437311" y="1480966"/>
+            <a:ext cx="2468403" cy="1949506"/>
+          </a:xfrm>
+          <a:prstGeom prst="rect">
+            <a:avLst/>
+          </a:prstGeom>
+        </p:spPr>
+      </p:pic>
+      <p:sp>
+        <p:nvSpPr>
+          <p:cNvPr id="2" name="文字方塊 1"/>
+          <p:cNvSpPr txBox="1"/>
+          <p:nvPr/>
+        </p:nvSpPr>
+        <p:spPr>
+          <a:xfrm>
+            <a:off x="6980400" y="1738440"/>
+            <a:ext cx="2685351" cy="1754326"/>
+          </a:xfrm>
+          <a:prstGeom prst="rect">
+            <a:avLst/>
+          </a:prstGeom>
+          <a:noFill/>
+        </p:spPr>
+        <p:txBody>
+          <a:bodyPr wrap="none" rtlCol="0">
+            <a:spAutoFit/>
+          </a:bodyPr>
+          <a:lstStyle/>
+          <a:p>
+            <a:pPr>
+              <a:lnSpc>
+                <a:spcPct val="150000"/>
+              </a:lnSpc>
+            </a:pPr>
+            <a:r>
+              <a:rPr lang="zh-TW" altLang="en-US" sz="2400" dirty="0" smtClean="0">
+                <a:latin typeface="微軟正黑體" panose="020B0604030504040204" pitchFamily="34" charset="-120"/>
+                <a:ea typeface="微軟正黑體" panose="020B0604030504040204" pitchFamily="34" charset="-120"/>
+              </a:rPr>
+              <a:t>服務產業</a:t>
+            </a:r>
+            <a:endParaRPr lang="en-US" altLang="zh-TW" sz="2400" dirty="0">
+              <a:latin typeface="微軟正黑體" panose="020B0604030504040204" pitchFamily="34" charset="-120"/>
+              <a:ea typeface="微軟正黑體" panose="020B0604030504040204" pitchFamily="34" charset="-120"/>
+            </a:endParaRPr>
+          </a:p>
+          <a:p>
+            <a:pPr marL="342900" indent="-342900">
+              <a:lnSpc>
+                <a:spcPct val="150000"/>
+              </a:lnSpc>
+              <a:buFont typeface="Arial" panose="020B0604020202020204" pitchFamily="34" charset="0"/>
+              <a:buChar char="•"/>
+            </a:pPr>
+            <a:r>
+              <a:rPr lang="zh-TW" altLang="en-US" sz="2400" dirty="0" smtClean="0">
+                <a:latin typeface="微軟正黑體" panose="020B0604030504040204" pitchFamily="34" charset="-120"/>
+                <a:ea typeface="微軟正黑體" panose="020B0604030504040204" pitchFamily="34" charset="-120"/>
+              </a:rPr>
+              <a:t>滿足客戶需求</a:t>
+            </a:r>
+            <a:endParaRPr lang="en-US" altLang="zh-TW" sz="2400" dirty="0">
+              <a:latin typeface="微軟正黑體" panose="020B0604030504040204" pitchFamily="34" charset="-120"/>
+              <a:ea typeface="微軟正黑體" panose="020B0604030504040204" pitchFamily="34" charset="-120"/>
+            </a:endParaRPr>
+          </a:p>
+          <a:p>
+            <a:pPr marL="342900" indent="-342900">
+              <a:lnSpc>
+                <a:spcPct val="150000"/>
+              </a:lnSpc>
+              <a:buFont typeface="Arial" panose="020B0604020202020204" pitchFamily="34" charset="0"/>
+              <a:buChar char="•"/>
+            </a:pPr>
+            <a:r>
+              <a:rPr lang="zh-TW" altLang="en-US" sz="2400" dirty="0" smtClean="0">
+                <a:latin typeface="微軟正黑體" panose="020B0604030504040204" pitchFamily="34" charset="-120"/>
+                <a:ea typeface="微軟正黑體" panose="020B0604030504040204" pitchFamily="34" charset="-120"/>
+              </a:rPr>
+              <a:t>良好的服務品質</a:t>
+            </a:r>
+            <a:endParaRPr lang="zh-TW" altLang="en-US" sz="2400" dirty="0">
+              <a:latin typeface="微軟正黑體" panose="020B0604030504040204" pitchFamily="34" charset="-120"/>
+              <a:ea typeface="微軟正黑體" panose="020B0604030504040204" pitchFamily="34" charset="-120"/>
+            </a:endParaRPr>
+          </a:p>
+        </p:txBody>
+      </p:sp>
+      <p:pic>
+        <p:nvPicPr>
+          <p:cNvPr id="1028" name="Picture 4" descr="ç¸éåç"/>
+          <p:cNvPicPr>
+            <a:picLocks noChangeAspect="1" noChangeArrowheads="1"/>
+          </p:cNvPicPr>
+          <p:nvPr/>
+        </p:nvPicPr>
+        <p:blipFill rotWithShape="1">
+          <a:blip r:embed="rId6">
+            <a:extLst>
+              <a:ext uri="{28A0092B-C50C-407E-A947-70E740481C1C}">
+                <a14:useLocalDpi xmlns:a14="http://schemas.microsoft.com/office/drawing/2010/main" val="0"/>
+              </a:ext>
+            </a:extLst>
+          </a:blip>
+          <a:srcRect r="16978"/>
+          <a:stretch/>
+        </p:blipFill>
+        <p:spPr bwMode="auto">
+          <a:xfrm>
+            <a:off x="437311" y="3653936"/>
+            <a:ext cx="2468403" cy="1992049"/>
+          </a:xfrm>
+          <a:prstGeom prst="rect">
+            <a:avLst/>
+          </a:prstGeom>
+          <a:noFill/>
+          <a:extLst>
+            <a:ext uri="{909E8E84-426E-40DD-AFC4-6F175D3DCCD1}">
+              <a14:hiddenFill xmlns:a14="http://schemas.microsoft.com/office/drawing/2010/main">
+                <a:solidFill>
+                  <a:srgbClr val="FFFFFF"/>
+                </a:solidFill>
+              </a14:hiddenFill>
+            </a:ext>
+          </a:extLst>
+        </p:spPr>
+      </p:pic>
+      <p:pic>
+        <p:nvPicPr>
+          <p:cNvPr id="1032" name="Picture 8" descr="ç¸éåç"/>
+          <p:cNvPicPr>
+            <a:picLocks noChangeAspect="1" noChangeArrowheads="1"/>
+          </p:cNvPicPr>
+          <p:nvPr/>
+        </p:nvPicPr>
+        <p:blipFill rotWithShape="1">
+          <a:blip r:embed="rId7" cstate="print">
+            <a:extLst>
+              <a:ext uri="{28A0092B-C50C-407E-A947-70E740481C1C}">
+                <a14:useLocalDpi xmlns:a14="http://schemas.microsoft.com/office/drawing/2010/main" val="0"/>
+              </a:ext>
+            </a:extLst>
+          </a:blip>
+          <a:srcRect l="20121" r="3286"/>
+          <a:stretch/>
+        </p:blipFill>
+        <p:spPr bwMode="auto">
+          <a:xfrm>
+            <a:off x="3108137" y="3653936"/>
+            <a:ext cx="2330376" cy="1992049"/>
+          </a:xfrm>
+          <a:prstGeom prst="rect">
+            <a:avLst/>
+          </a:prstGeom>
+          <a:noFill/>
+          <a:extLst>
+            <a:ext uri="{909E8E84-426E-40DD-AFC4-6F175D3DCCD1}">
+              <a14:hiddenFill xmlns:a14="http://schemas.microsoft.com/office/drawing/2010/main">
+                <a:solidFill>
+                  <a:srgbClr val="FFFFFF"/>
+                </a:solidFill>
+              </a14:hiddenFill>
+            </a:ext>
+          </a:extLst>
+        </p:spPr>
+      </p:pic>
+      <p:pic>
+        <p:nvPicPr>
+          <p:cNvPr id="1034" name="Picture 10" descr="ç¸éåç"/>
+          <p:cNvPicPr>
+            <a:picLocks noChangeAspect="1" noChangeArrowheads="1"/>
+          </p:cNvPicPr>
+          <p:nvPr/>
+        </p:nvPicPr>
+        <p:blipFill rotWithShape="1">
+          <a:blip r:embed="rId8">
+            <a:extLst>
+              <a:ext uri="{28A0092B-C50C-407E-A947-70E740481C1C}">
+                <a14:useLocalDpi xmlns:a14="http://schemas.microsoft.com/office/drawing/2010/main" val="0"/>
+              </a:ext>
+            </a:extLst>
+          </a:blip>
+          <a:srcRect l="12355" r="10107"/>
+          <a:stretch/>
+        </p:blipFill>
+        <p:spPr bwMode="auto">
+          <a:xfrm>
+            <a:off x="3108137" y="1480966"/>
+            <a:ext cx="2330376" cy="1949506"/>
+          </a:xfrm>
+          <a:prstGeom prst="rect">
+            <a:avLst/>
+          </a:prstGeom>
+          <a:noFill/>
+          <a:extLst>
+            <a:ext uri="{909E8E84-426E-40DD-AFC4-6F175D3DCCD1}">
+              <a14:hiddenFill xmlns:a14="http://schemas.microsoft.com/office/drawing/2010/main">
+                <a:solidFill>
+                  <a:srgbClr val="FFFFFF"/>
+                </a:solidFill>
+              </a14:hiddenFill>
+            </a:ext>
+          </a:extLst>
+        </p:spPr>
+      </p:pic>
+    </p:spTree>
+    <p:extLst>
+      <p:ext uri="{BB962C8B-B14F-4D97-AF65-F5344CB8AC3E}">
+        <p14:creationId xmlns:p14="http://schemas.microsoft.com/office/powerpoint/2010/main" val="3339168982"/>
+      </p:ext>
+    </p:extLst>
+  </p:cSld>
+  <p:clrMapOvr>
+    <a:masterClrMapping/>
+  </p:clrMapOvr>
+  <mc:AlternateContent xmlns:mc="http://schemas.openxmlformats.org/markup-compatibility/2006" xmlns:p14="http://schemas.microsoft.com/office/powerpoint/2010/main">
+    <mc:Choice Requires="p14">
+      <p:transition p14:dur="70">
+        <p:fade/>
+      </p:transition>
+    </mc:Choice>
+    <mc:Fallback xmlns="">
+      <p:transition>
+        <p:fade/>
+      </p:transition>
+    </mc:Fallback>
+  </mc:AlternateContent>
+  <p:timing>
+    <p:tnLst>
+      <p:par>
+        <p:cTn id="1" dur="indefinite" restart="never" nodeType="tmRoot"/>
+      </p:par>
+    </p:tnLst>
+  </p:timing>
+</p:sld>
+</file>
+
+<file path=ppt/slides/slide4.xml><?xml version="1.0" encoding="utf-8"?>
+<p:sld xmlns:a="http://schemas.openxmlformats.org/drawingml/2006/main" xmlns:r="http://schemas.openxmlformats.org/officeDocument/2006/relationships" xmlns:p="http://schemas.openxmlformats.org/presentationml/2006/main">
+  <p:cSld>
+    <p:spTree>
+      <p:nvGrpSpPr>
+        <p:cNvPr id="1" name=""/>
+        <p:cNvGrpSpPr/>
+        <p:nvPr/>
+      </p:nvGrpSpPr>
+      <p:grpSpPr>
+        <a:xfrm>
+          <a:off x="0" y="0"/>
+          <a:ext cx="0" cy="0"/>
+          <a:chOff x="0" y="0"/>
+          <a:chExt cx="0" cy="0"/>
+        </a:xfrm>
+      </p:grpSpPr>
+      <p:sp>
+        <p:nvSpPr>
+          <p:cNvPr id="2" name="標題 1"/>
+          <p:cNvSpPr>
+            <a:spLocks noGrp="1"/>
+          </p:cNvSpPr>
+          <p:nvPr>
+            <p:ph type="title"/>
+          </p:nvPr>
+        </p:nvSpPr>
+        <p:spPr/>
+        <p:txBody>
+          <a:bodyPr/>
+          <a:lstStyle/>
+          <a:p>
+            <a:endParaRPr lang="zh-TW" altLang="en-US"/>
+          </a:p>
+        </p:txBody>
+      </p:sp>
+      <p:sp>
+        <p:nvSpPr>
+          <p:cNvPr id="3" name="內容版面配置區 2"/>
+          <p:cNvSpPr>
+            <a:spLocks noGrp="1"/>
+          </p:cNvSpPr>
+          <p:nvPr>
+            <p:ph idx="1"/>
+          </p:nvPr>
+        </p:nvSpPr>
+        <p:spPr/>
+        <p:txBody>
+          <a:bodyPr/>
+          <a:lstStyle/>
+          <a:p>
+            <a:pPr marL="0" indent="0">
+              <a:buNone/>
+            </a:pPr>
+            <a:r>
+              <a:rPr lang="zh-TW" altLang="en-US" dirty="0" smtClean="0"/>
+              <a:t>ㄇㄏ</a:t>
+            </a:r>
+            <a:r>
+              <a:rPr lang="en-US" altLang="zh-TW" dirty="0" smtClean="0"/>
+              <a:t>par</a:t>
+            </a:r>
+            <a:r>
+              <a:rPr lang="en-US" altLang="zh-TW" dirty="0"/>
+              <a:t>t</a:t>
+            </a:r>
+            <a:endParaRPr lang="zh-TW" altLang="en-US" dirty="0"/>
+          </a:p>
+        </p:txBody>
+      </p:sp>
+    </p:spTree>
+    <p:extLst>
+      <p:ext uri="{BB962C8B-B14F-4D97-AF65-F5344CB8AC3E}">
+        <p14:creationId xmlns:p14="http://schemas.microsoft.com/office/powerpoint/2010/main" val="2619050992"/>
+      </p:ext>
+    </p:extLst>
+  </p:cSld>
+  <p:clrMapOvr>
+    <a:masterClrMapping/>
+  </p:clrMapOvr>
+</p:sld>
+</file>
+
+<file path=ppt/slides/slide5.xml><?xml version="1.0" encoding="utf-8"?>
+<p:sld xmlns:a="http://schemas.openxmlformats.org/drawingml/2006/main" xmlns:r="http://schemas.openxmlformats.org/officeDocument/2006/relationships" xmlns:p="http://schemas.openxmlformats.org/presentationml/2006/main">
+  <p:cSld>
+    <p:spTree>
+      <p:nvGrpSpPr>
+        <p:cNvPr id="1" name=""/>
+        <p:cNvGrpSpPr/>
+        <p:nvPr/>
+      </p:nvGrpSpPr>
+      <p:grpSpPr>
+        <a:xfrm>
+          <a:off x="0" y="0"/>
+          <a:ext cx="0" cy="0"/>
+          <a:chOff x="0" y="0"/>
+          <a:chExt cx="0" cy="0"/>
+        </a:xfrm>
+      </p:grpSpPr>
+      <p:sp>
+        <p:nvSpPr>
           <p:cNvPr id="2" name="標題 1"/>
           <p:cNvSpPr>
             <a:spLocks noGrp="1"/>
@@ -6364,7 +7388,7 @@
 </p:sld>
 </file>
 
-<file path=ppt/slides/slide4.xml><?xml version="1.0" encoding="utf-8"?>
+<file path=ppt/slides/slide6.xml><?xml version="1.0" encoding="utf-8"?>
 <p:sld xmlns:a="http://schemas.openxmlformats.org/drawingml/2006/main" xmlns:r="http://schemas.openxmlformats.org/officeDocument/2006/relationships" xmlns:p="http://schemas.openxmlformats.org/presentationml/2006/main">
   <p:cSld>
     <p:spTree>
@@ -6676,7 +7700,7 @@
 </p:sld>
 </file>
 
-<file path=ppt/slides/slide5.xml><?xml version="1.0" encoding="utf-8"?>
+<file path=ppt/slides/slide7.xml><?xml version="1.0" encoding="utf-8"?>
 <p:sld xmlns:a="http://schemas.openxmlformats.org/drawingml/2006/main" xmlns:r="http://schemas.openxmlformats.org/officeDocument/2006/relationships" xmlns:p="http://schemas.openxmlformats.org/presentationml/2006/main">
   <p:cSld>
     <p:spTree>
@@ -6818,7 +7842,7 @@
 </p:sld>
 </file>
 
-<file path=ppt/slides/slide6.xml><?xml version="1.0" encoding="utf-8"?>
+<file path=ppt/slides/slide8.xml><?xml version="1.0" encoding="utf-8"?>
 <p:sld xmlns:a="http://schemas.openxmlformats.org/drawingml/2006/main" xmlns:r="http://schemas.openxmlformats.org/officeDocument/2006/relationships" xmlns:p="http://schemas.openxmlformats.org/presentationml/2006/main">
   <p:cSld>
     <p:spTree>
@@ -6957,7 +7981,7 @@
 </p:sld>
 </file>
 
-<file path=ppt/slides/slide7.xml><?xml version="1.0" encoding="utf-8"?>
+<file path=ppt/slides/slide9.xml><?xml version="1.0" encoding="utf-8"?>
 <p:sld xmlns:a="http://schemas.openxmlformats.org/drawingml/2006/main" xmlns:r="http://schemas.openxmlformats.org/officeDocument/2006/relationships" xmlns:p="http://schemas.openxmlformats.org/presentationml/2006/main">
   <p:cSld>
     <p:spTree>
@@ -7175,381 +8199,6 @@
     <p:extLst>
       <p:ext uri="{BB962C8B-B14F-4D97-AF65-F5344CB8AC3E}">
         <p14:creationId xmlns:p14="http://schemas.microsoft.com/office/powerpoint/2010/main" val="1472613227"/>
-      </p:ext>
-    </p:extLst>
-  </p:cSld>
-  <p:clrMapOvr>
-    <a:masterClrMapping/>
-  </p:clrMapOvr>
-</p:sld>
-</file>
-
-<file path=ppt/slides/slide8.xml><?xml version="1.0" encoding="utf-8"?>
-<p:sld xmlns:a="http://schemas.openxmlformats.org/drawingml/2006/main" xmlns:r="http://schemas.openxmlformats.org/officeDocument/2006/relationships" xmlns:p="http://schemas.openxmlformats.org/presentationml/2006/main">
-  <p:cSld>
-    <p:spTree>
-      <p:nvGrpSpPr>
-        <p:cNvPr id="1" name=""/>
-        <p:cNvGrpSpPr/>
-        <p:nvPr/>
-      </p:nvGrpSpPr>
-      <p:grpSpPr>
-        <a:xfrm>
-          <a:off x="0" y="0"/>
-          <a:ext cx="0" cy="0"/>
-          <a:chOff x="0" y="0"/>
-          <a:chExt cx="0" cy="0"/>
-        </a:xfrm>
-      </p:grpSpPr>
-      <p:sp>
-        <p:nvSpPr>
-          <p:cNvPr id="2" name="標題 1"/>
-          <p:cNvSpPr>
-            <a:spLocks noGrp="1"/>
-          </p:cNvSpPr>
-          <p:nvPr>
-            <p:ph type="title"/>
-          </p:nvPr>
-        </p:nvSpPr>
-        <p:spPr/>
-        <p:txBody>
-          <a:bodyPr/>
-          <a:lstStyle/>
-          <a:p>
-            <a:r>
-              <a:rPr lang="zh-TW" altLang="en-US" dirty="0"/>
-              <a:t>作品介紹</a:t>
-            </a:r>
-          </a:p>
-        </p:txBody>
-      </p:sp>
-      <p:sp>
-        <p:nvSpPr>
-          <p:cNvPr id="3" name="內容版面配置區 2"/>
-          <p:cNvSpPr>
-            <a:spLocks noGrp="1"/>
-          </p:cNvSpPr>
-          <p:nvPr>
-            <p:ph idx="1"/>
-          </p:nvPr>
-        </p:nvSpPr>
-        <p:spPr/>
-        <p:txBody>
-          <a:bodyPr/>
-          <a:lstStyle/>
-          <a:p>
-            <a:r>
-              <a:rPr lang="zh-TW" altLang="en-US" dirty="0"/>
-              <a:t>網路</a:t>
-            </a:r>
-            <a:r>
-              <a:rPr lang="zh-TW" altLang="en-US" dirty="0" smtClean="0"/>
-              <a:t>訓練</a:t>
-            </a:r>
-            <a:r>
-              <a:rPr lang="en-US" altLang="zh-TW" dirty="0" smtClean="0"/>
-              <a:t>-Loss function (Categorical cross-entropy)</a:t>
-            </a:r>
-          </a:p>
-          <a:p>
-            <a:pPr lvl="1"/>
-            <a:r>
-              <a:rPr lang="zh-TW" altLang="zh-TW" dirty="0"/>
-              <a:t>適用於多分類</a:t>
-            </a:r>
-            <a:r>
-              <a:rPr lang="zh-TW" altLang="zh-TW" dirty="0" smtClean="0"/>
-              <a:t>問題</a:t>
-            </a:r>
-            <a:endParaRPr lang="en-US" altLang="zh-TW" dirty="0" smtClean="0"/>
-          </a:p>
-          <a:p>
-            <a:pPr lvl="1"/>
-            <a:r>
-              <a:rPr lang="zh-TW" altLang="zh-TW" dirty="0"/>
-              <a:t>量化笑容的等級</a:t>
-            </a:r>
-            <a:r>
-              <a:rPr lang="en-US" altLang="zh-TW" dirty="0"/>
-              <a:t>(0~10</a:t>
-            </a:r>
-            <a:r>
-              <a:rPr lang="zh-TW" altLang="zh-TW" dirty="0"/>
-              <a:t>，共</a:t>
-            </a:r>
-            <a:r>
-              <a:rPr lang="en-US" altLang="zh-TW" dirty="0"/>
-              <a:t>11</a:t>
-            </a:r>
-            <a:r>
-              <a:rPr lang="zh-TW" altLang="zh-TW" dirty="0"/>
-              <a:t>種</a:t>
-            </a:r>
-            <a:r>
-              <a:rPr lang="en-US" altLang="zh-TW" dirty="0"/>
-              <a:t>)</a:t>
-            </a:r>
-            <a:endParaRPr lang="en-US" altLang="zh-TW" dirty="0" smtClean="0"/>
-          </a:p>
-          <a:p>
-            <a:pPr lvl="2"/>
-            <a:endParaRPr lang="en-US" altLang="zh-TW" dirty="0" smtClean="0"/>
-          </a:p>
-        </p:txBody>
-      </p:sp>
-      <p:pic>
-        <p:nvPicPr>
-          <p:cNvPr id="5" name="圖片 4" descr="C:\Users\User\AppData\Local\LINE\Cache\tmp\1559920248003.jpg"/>
-          <p:cNvPicPr/>
-          <p:nvPr/>
-        </p:nvPicPr>
-        <p:blipFill>
-          <a:blip r:embed="rId3">
-            <a:extLst>
-              <a:ext uri="{28A0092B-C50C-407E-A947-70E740481C1C}">
-                <a14:useLocalDpi xmlns:a14="http://schemas.microsoft.com/office/drawing/2010/main" val="0"/>
-              </a:ext>
-            </a:extLst>
-          </a:blip>
-          <a:srcRect/>
-          <a:stretch>
-            <a:fillRect/>
-          </a:stretch>
-        </p:blipFill>
-        <p:spPr bwMode="auto">
-          <a:xfrm>
-            <a:off x="3242310" y="3798570"/>
-            <a:ext cx="5219700" cy="1165860"/>
-          </a:xfrm>
-          <a:prstGeom prst="rect">
-            <a:avLst/>
-          </a:prstGeom>
-          <a:noFill/>
-          <a:ln>
-            <a:noFill/>
-          </a:ln>
-        </p:spPr>
-      </p:pic>
-      <p:pic>
-        <p:nvPicPr>
-          <p:cNvPr id="6" name="圖片 5" descr="C:\Users\User\AppData\Local\LINE\Cache\tmp\1559919947733.jpg"/>
-          <p:cNvPicPr/>
-          <p:nvPr/>
-        </p:nvPicPr>
-        <p:blipFill>
-          <a:blip r:embed="rId4">
-            <a:extLst>
-              <a:ext uri="{28A0092B-C50C-407E-A947-70E740481C1C}">
-                <a14:useLocalDpi xmlns:a14="http://schemas.microsoft.com/office/drawing/2010/main" val="0"/>
-              </a:ext>
-            </a:extLst>
-          </a:blip>
-          <a:srcRect/>
-          <a:stretch>
-            <a:fillRect/>
-          </a:stretch>
-        </p:blipFill>
-        <p:spPr bwMode="auto">
-          <a:xfrm>
-            <a:off x="3017520" y="5406390"/>
-            <a:ext cx="5669280" cy="617220"/>
-          </a:xfrm>
-          <a:prstGeom prst="rect">
-            <a:avLst/>
-          </a:prstGeom>
-          <a:noFill/>
-          <a:ln>
-            <a:noFill/>
-          </a:ln>
-        </p:spPr>
-      </p:pic>
-    </p:spTree>
-    <p:extLst>
-      <p:ext uri="{BB962C8B-B14F-4D97-AF65-F5344CB8AC3E}">
-        <p14:creationId xmlns:p14="http://schemas.microsoft.com/office/powerpoint/2010/main" val="1742323500"/>
-      </p:ext>
-    </p:extLst>
-  </p:cSld>
-  <p:clrMapOvr>
-    <a:masterClrMapping/>
-  </p:clrMapOvr>
-</p:sld>
-</file>
-
-<file path=ppt/slides/slide9.xml><?xml version="1.0" encoding="utf-8"?>
-<p:sld xmlns:a="http://schemas.openxmlformats.org/drawingml/2006/main" xmlns:r="http://schemas.openxmlformats.org/officeDocument/2006/relationships" xmlns:p="http://schemas.openxmlformats.org/presentationml/2006/main">
-  <p:cSld>
-    <p:bg>
-      <p:bgPr>
-        <a:solidFill>
-          <a:schemeClr val="bg1"/>
-        </a:solidFill>
-        <a:effectLst/>
-      </p:bgPr>
-    </p:bg>
-    <p:spTree>
-      <p:nvGrpSpPr>
-        <p:cNvPr id="1" name=""/>
-        <p:cNvGrpSpPr/>
-        <p:nvPr/>
-      </p:nvGrpSpPr>
-      <p:grpSpPr>
-        <a:xfrm>
-          <a:off x="0" y="0"/>
-          <a:ext cx="0" cy="0"/>
-          <a:chOff x="0" y="0"/>
-          <a:chExt cx="0" cy="0"/>
-        </a:xfrm>
-      </p:grpSpPr>
-      <p:sp>
-        <p:nvSpPr>
-          <p:cNvPr id="2" name="標題 1"/>
-          <p:cNvSpPr>
-            <a:spLocks noGrp="1"/>
-          </p:cNvSpPr>
-          <p:nvPr>
-            <p:ph type="title"/>
-          </p:nvPr>
-        </p:nvSpPr>
-        <p:spPr/>
-        <p:txBody>
-          <a:bodyPr/>
-          <a:lstStyle/>
-          <a:p>
-            <a:r>
-              <a:rPr lang="zh-TW" altLang="en-US" dirty="0"/>
-              <a:t>作品介紹</a:t>
-            </a:r>
-          </a:p>
-        </p:txBody>
-      </p:sp>
-      <p:sp>
-        <p:nvSpPr>
-          <p:cNvPr id="3" name="內容版面配置區 2"/>
-          <p:cNvSpPr>
-            <a:spLocks noGrp="1"/>
-          </p:cNvSpPr>
-          <p:nvPr>
-            <p:ph idx="1"/>
-          </p:nvPr>
-        </p:nvSpPr>
-        <p:spPr/>
-        <p:txBody>
-          <a:bodyPr/>
-          <a:lstStyle/>
-          <a:p>
-            <a:r>
-              <a:rPr lang="zh-TW" altLang="en-US" dirty="0"/>
-              <a:t>網路訓練 </a:t>
-            </a:r>
-            <a:r>
-              <a:rPr lang="en-US" altLang="zh-TW" dirty="0"/>
-              <a:t>- optimizer and the setting of </a:t>
-            </a:r>
-            <a:r>
-              <a:rPr lang="en-US" altLang="zh-TW" dirty="0" err="1" smtClean="0"/>
-              <a:t>hyperparameter</a:t>
-            </a:r>
-            <a:endParaRPr lang="en-US" altLang="zh-TW" dirty="0" smtClean="0"/>
-          </a:p>
-          <a:p>
-            <a:pPr lvl="1"/>
-            <a:r>
-              <a:rPr lang="zh-TW" altLang="zh-TW" dirty="0"/>
-              <a:t>本系統的</a:t>
-            </a:r>
-            <a:r>
-              <a:rPr lang="en-US" altLang="zh-TW" dirty="0"/>
-              <a:t>Optimizer</a:t>
-            </a:r>
-            <a:r>
-              <a:rPr lang="zh-TW" altLang="zh-TW" dirty="0"/>
-              <a:t>使用</a:t>
-            </a:r>
-            <a:r>
-              <a:rPr lang="en-US" altLang="zh-TW" dirty="0"/>
-              <a:t>Adam </a:t>
-            </a:r>
-            <a:r>
-              <a:rPr lang="en-US" altLang="zh-TW" dirty="0" smtClean="0"/>
-              <a:t>Optimizer</a:t>
-            </a:r>
-          </a:p>
-          <a:p>
-            <a:pPr lvl="1"/>
-            <a:r>
-              <a:rPr lang="en-US" altLang="zh-TW" dirty="0" err="1"/>
-              <a:t>hyperparameter</a:t>
-            </a:r>
-            <a:r>
-              <a:rPr lang="zh-TW" altLang="zh-TW" dirty="0"/>
-              <a:t>的設定是將</a:t>
-            </a:r>
-            <a:r>
-              <a:rPr lang="en-US" altLang="zh-TW" dirty="0"/>
-              <a:t>learning rate</a:t>
-            </a:r>
-            <a:r>
-              <a:rPr lang="zh-TW" altLang="zh-TW" dirty="0"/>
-              <a:t>設為</a:t>
-            </a:r>
-            <a:r>
-              <a:rPr lang="en-US" altLang="zh-TW" dirty="0"/>
-              <a:t>1e-5(</a:t>
-            </a:r>
-            <a:r>
-              <a:rPr lang="zh-TW" altLang="zh-TW" dirty="0"/>
-              <a:t>即</a:t>
-            </a:r>
-            <a:r>
-              <a:rPr lang="en-US" altLang="zh-TW" dirty="0"/>
-              <a:t>0.00001)</a:t>
-            </a:r>
-            <a:endParaRPr lang="en-US" altLang="zh-TW" dirty="0" smtClean="0"/>
-          </a:p>
-          <a:p>
-            <a:pPr lvl="2"/>
-            <a:endParaRPr lang="en-US" altLang="zh-TW" dirty="0" smtClean="0"/>
-          </a:p>
-        </p:txBody>
-      </p:sp>
-      <p:pic>
-        <p:nvPicPr>
-          <p:cNvPr id="4" name="圖片 3" descr="C:\Users\User\AppData\Local\LINE\Cache\tmp\1560007312515.jpg"/>
-          <p:cNvPicPr/>
-          <p:nvPr/>
-        </p:nvPicPr>
-        <p:blipFill>
-          <a:blip r:embed="rId3">
-            <a:extLst>
-              <a:ext uri="{28A0092B-C50C-407E-A947-70E740481C1C}">
-                <a14:useLocalDpi xmlns:a14="http://schemas.microsoft.com/office/drawing/2010/main" val="0"/>
-              </a:ext>
-            </a:extLst>
-          </a:blip>
-          <a:srcRect/>
-          <a:stretch>
-            <a:fillRect/>
-          </a:stretch>
-        </p:blipFill>
-        <p:spPr bwMode="auto">
-          <a:xfrm>
-            <a:off x="3307080" y="4027170"/>
-            <a:ext cx="5459730" cy="1550670"/>
-          </a:xfrm>
-          <a:prstGeom prst="rect">
-            <a:avLst/>
-          </a:prstGeom>
-          <a:noFill/>
-          <a:ln>
-            <a:noFill/>
-          </a:ln>
-        </p:spPr>
-      </p:pic>
-    </p:spTree>
-    <p:extLst>
-      <p:ext uri="{BB962C8B-B14F-4D97-AF65-F5344CB8AC3E}">
-        <p14:creationId xmlns:p14="http://schemas.microsoft.com/office/powerpoint/2010/main" val="449733410"/>
       </p:ext>
     </p:extLst>
   </p:cSld>
@@ -7814,7 +8463,7 @@
   <a:extraClrSchemeLst/>
   <a:extLst>
     <a:ext uri="{05A4C25C-085E-4340-85A3-A5531E510DB2}">
-      <thm15:themeFamily xmlns="" xmlns:thm15="http://schemas.microsoft.com/office/thememl/2012/main" name="Office Theme" id="{62F939B6-93AF-4DB8-9C6B-D6C7DFDC589F}" vid="{4A3C46E8-61CC-4603-A589-7422A47A8E4A}"/>
+      <thm15:themeFamily xmlns:thm15="http://schemas.microsoft.com/office/thememl/2012/main" name="Office Theme" id="{62F939B6-93AF-4DB8-9C6B-D6C7DFDC589F}" vid="{4A3C46E8-61CC-4603-A589-7422A47A8E4A}"/>
     </a:ext>
   </a:extLst>
 </a:theme>
